--- a/clases/Cap03_Seleccion_de_Caracteristicas/presentations/PAT03_ExSearch.pptx
+++ b/clases/Cap03_Seleccion_de_Caracteristicas/presentations/PAT03_ExSearch.pptx
@@ -5,7 +5,7 @@
     <p:sldMasterId id="2147483648" r:id="rId1"/>
   </p:sldMasterIdLst>
   <p:notesMasterIdLst>
-    <p:notesMasterId r:id="rId22"/>
+    <p:notesMasterId r:id="rId23"/>
   </p:notesMasterIdLst>
   <p:sldIdLst>
     <p:sldId id="270" r:id="rId2"/>
@@ -28,6 +28,7 @@
     <p:sldId id="319" r:id="rId19"/>
     <p:sldId id="320" r:id="rId20"/>
     <p:sldId id="306" r:id="rId21"/>
+    <p:sldId id="321" r:id="rId22"/>
   </p:sldIdLst>
   <p:sldSz cx="9144000" cy="6858000" type="screen4x3"/>
   <p:notesSz cx="6858000" cy="9144000"/>
@@ -227,7 +228,7 @@
           <a:p>
             <a:fld id="{A31E74E5-43EB-8941-84E7-E76CE2DEF1CC}" type="datetimeFigureOut">
               <a:rPr lang="en-US" smtClean="0"/>
-              <a:t>4/21/20</a:t>
+              <a:t>4/22/21</a:t>
             </a:fld>
             <a:endParaRPr lang="en-US"/>
           </a:p>
@@ -761,7 +762,7 @@
           <a:p>
             <a:fld id="{8BD5799D-8AC1-7647-9F4D-35F314575207}" type="datetimeFigureOut">
               <a:rPr lang="en-US" smtClean="0"/>
-              <a:t>4/21/20</a:t>
+              <a:t>4/22/21</a:t>
             </a:fld>
             <a:endParaRPr lang="en-US"/>
           </a:p>
@@ -929,7 +930,7 @@
           <a:p>
             <a:fld id="{8BD5799D-8AC1-7647-9F4D-35F314575207}" type="datetimeFigureOut">
               <a:rPr lang="en-US" smtClean="0"/>
-              <a:t>4/21/20</a:t>
+              <a:t>4/22/21</a:t>
             </a:fld>
             <a:endParaRPr lang="en-US"/>
           </a:p>
@@ -1107,7 +1108,7 @@
           <a:p>
             <a:fld id="{8BD5799D-8AC1-7647-9F4D-35F314575207}" type="datetimeFigureOut">
               <a:rPr lang="en-US" smtClean="0"/>
-              <a:t>4/21/20</a:t>
+              <a:t>4/22/21</a:t>
             </a:fld>
             <a:endParaRPr lang="en-US"/>
           </a:p>
@@ -1275,7 +1276,7 @@
           <a:p>
             <a:fld id="{8BD5799D-8AC1-7647-9F4D-35F314575207}" type="datetimeFigureOut">
               <a:rPr lang="en-US" smtClean="0"/>
-              <a:t>4/21/20</a:t>
+              <a:t>4/22/21</a:t>
             </a:fld>
             <a:endParaRPr lang="en-US"/>
           </a:p>
@@ -1520,7 +1521,7 @@
           <a:p>
             <a:fld id="{8BD5799D-8AC1-7647-9F4D-35F314575207}" type="datetimeFigureOut">
               <a:rPr lang="en-US" smtClean="0"/>
-              <a:t>4/21/20</a:t>
+              <a:t>4/22/21</a:t>
             </a:fld>
             <a:endParaRPr lang="en-US"/>
           </a:p>
@@ -1805,7 +1806,7 @@
           <a:p>
             <a:fld id="{8BD5799D-8AC1-7647-9F4D-35F314575207}" type="datetimeFigureOut">
               <a:rPr lang="en-US" smtClean="0"/>
-              <a:t>4/21/20</a:t>
+              <a:t>4/22/21</a:t>
             </a:fld>
             <a:endParaRPr lang="en-US"/>
           </a:p>
@@ -2224,7 +2225,7 @@
           <a:p>
             <a:fld id="{8BD5799D-8AC1-7647-9F4D-35F314575207}" type="datetimeFigureOut">
               <a:rPr lang="en-US" smtClean="0"/>
-              <a:t>4/21/20</a:t>
+              <a:t>4/22/21</a:t>
             </a:fld>
             <a:endParaRPr lang="en-US"/>
           </a:p>
@@ -2341,7 +2342,7 @@
           <a:p>
             <a:fld id="{8BD5799D-8AC1-7647-9F4D-35F314575207}" type="datetimeFigureOut">
               <a:rPr lang="en-US" smtClean="0"/>
-              <a:t>4/21/20</a:t>
+              <a:t>4/22/21</a:t>
             </a:fld>
             <a:endParaRPr lang="en-US"/>
           </a:p>
@@ -2436,7 +2437,7 @@
           <a:p>
             <a:fld id="{8BD5799D-8AC1-7647-9F4D-35F314575207}" type="datetimeFigureOut">
               <a:rPr lang="en-US" smtClean="0"/>
-              <a:t>4/21/20</a:t>
+              <a:t>4/22/21</a:t>
             </a:fld>
             <a:endParaRPr lang="en-US"/>
           </a:p>
@@ -2711,7 +2712,7 @@
           <a:p>
             <a:fld id="{8BD5799D-8AC1-7647-9F4D-35F314575207}" type="datetimeFigureOut">
               <a:rPr lang="en-US" smtClean="0"/>
-              <a:t>4/21/20</a:t>
+              <a:t>4/22/21</a:t>
             </a:fld>
             <a:endParaRPr lang="en-US"/>
           </a:p>
@@ -2963,7 +2964,7 @@
           <a:p>
             <a:fld id="{8BD5799D-8AC1-7647-9F4D-35F314575207}" type="datetimeFigureOut">
               <a:rPr lang="en-US" smtClean="0"/>
-              <a:t>4/21/20</a:t>
+              <a:t>4/22/21</a:t>
             </a:fld>
             <a:endParaRPr lang="en-US"/>
           </a:p>
@@ -3174,7 +3175,7 @@
           <a:p>
             <a:fld id="{8BD5799D-8AC1-7647-9F4D-35F314575207}" type="datetimeFigureOut">
               <a:rPr lang="en-US" smtClean="0"/>
-              <a:t>4/21/20</a:t>
+              <a:t>4/22/21</a:t>
             </a:fld>
             <a:endParaRPr lang="en-US"/>
           </a:p>
@@ -17420,7 +17421,7 @@
         <p:spPr>
           <a:xfrm>
             <a:off x="526916" y="1432380"/>
-            <a:ext cx="7402989" cy="4247317"/>
+            <a:ext cx="7521611" cy="5355312"/>
           </a:xfrm>
           <a:prstGeom prst="rect">
             <a:avLst/>
@@ -17438,73 +17439,85 @@
                 <a:latin typeface="Consolas" panose="020B0609020204030204" pitchFamily="49" charset="0"/>
                 <a:cs typeface="Consolas" panose="020B0609020204030204" pitchFamily="49" charset="0"/>
               </a:rPr>
-              <a:t>S   = </a:t>
-            </a:r>
-            <a:r>
-              <a:rPr lang="en-US" i="1" dirty="0">
+              <a:t>Example: Selection of 3 features from 9</a:t>
+            </a:r>
+          </a:p>
+          <a:p>
+            <a:endParaRPr lang="en-US" dirty="0">
+              <a:latin typeface="Consolas" panose="020B0609020204030204" pitchFamily="49" charset="0"/>
+              <a:cs typeface="Consolas" panose="020B0609020204030204" pitchFamily="49" charset="0"/>
+            </a:endParaRPr>
+          </a:p>
+          <a:p>
+            <a:endParaRPr lang="en-US" dirty="0">
+              <a:latin typeface="Consolas" panose="020B0609020204030204" pitchFamily="49" charset="0"/>
+              <a:cs typeface="Consolas" panose="020B0609020204030204" pitchFamily="49" charset="0"/>
+            </a:endParaRPr>
+          </a:p>
+          <a:p>
+            <a:r>
+              <a:rPr lang="en-US" dirty="0" err="1">
                 <a:latin typeface="Consolas" panose="020B0609020204030204" pitchFamily="49" charset="0"/>
                 <a:cs typeface="Consolas" panose="020B0609020204030204" pitchFamily="49" charset="0"/>
               </a:rPr>
-              <a:t>all combinations of p numbers taken from m numbers*</a:t>
-            </a:r>
-          </a:p>
-          <a:p>
+              <a:t>score_max</a:t>
+            </a:r>
             <a:r>
               <a:rPr lang="en-US" dirty="0">
                 <a:latin typeface="Consolas" panose="020B0609020204030204" pitchFamily="49" charset="0"/>
                 <a:cs typeface="Consolas" panose="020B0609020204030204" pitchFamily="49" charset="0"/>
               </a:rPr>
-              <a:t>N</a:t>
-            </a:r>
-            <a:r>
-              <a:rPr lang="en-US" i="1" dirty="0">
-                <a:latin typeface="Consolas" panose="020B0609020204030204" pitchFamily="49" charset="0"/>
-                <a:cs typeface="Consolas" panose="020B0609020204030204" pitchFamily="49" charset="0"/>
-              </a:rPr>
-              <a:t>   </a:t>
-            </a:r>
+              <a:t> = 0</a:t>
+            </a:r>
+          </a:p>
+          <a:p>
             <a:r>
               <a:rPr lang="en-US" dirty="0">
                 <a:latin typeface="Consolas" panose="020B0609020204030204" pitchFamily="49" charset="0"/>
                 <a:cs typeface="Consolas" panose="020B0609020204030204" pitchFamily="49" charset="0"/>
               </a:rPr>
-              <a:t>= </a:t>
-            </a:r>
-            <a:r>
-              <a:rPr lang="en-US" i="1" dirty="0">
+              <a:t>for i1 = 1,2, … 7</a:t>
+            </a:r>
+          </a:p>
+          <a:p>
+            <a:r>
+              <a:rPr lang="en-US" dirty="0">
                 <a:latin typeface="Consolas" panose="020B0609020204030204" pitchFamily="49" charset="0"/>
                 <a:cs typeface="Consolas" panose="020B0609020204030204" pitchFamily="49" charset="0"/>
               </a:rPr>
-              <a:t>number of combinations</a:t>
-            </a:r>
-          </a:p>
-          <a:p>
+              <a:t>	for i2 = i1+1, … 8</a:t>
+            </a:r>
+          </a:p>
+          <a:p>
+            <a:r>
+              <a:rPr lang="en-US" dirty="0">
+                <a:latin typeface="Consolas" panose="020B0609020204030204" pitchFamily="49" charset="0"/>
+                <a:cs typeface="Consolas" panose="020B0609020204030204" pitchFamily="49" charset="0"/>
+              </a:rPr>
+              <a:t>		for i3 = i+2,… 9</a:t>
+            </a:r>
+          </a:p>
+          <a:p>
+            <a:r>
+              <a:rPr lang="en-US" dirty="0">
+                <a:latin typeface="Consolas" panose="020B0609020204030204" pitchFamily="49" charset="0"/>
+                <a:cs typeface="Consolas" panose="020B0609020204030204" pitchFamily="49" charset="0"/>
+              </a:rPr>
+              <a:t>			</a:t>
+            </a:r>
             <a:r>
               <a:rPr lang="en-US" dirty="0" err="1">
                 <a:latin typeface="Consolas" panose="020B0609020204030204" pitchFamily="49" charset="0"/>
                 <a:cs typeface="Consolas" panose="020B0609020204030204" pitchFamily="49" charset="0"/>
               </a:rPr>
-              <a:t>Jmax</a:t>
+              <a:t>Xsel</a:t>
             </a:r>
             <a:r>
               <a:rPr lang="en-US" dirty="0">
                 <a:latin typeface="Consolas" panose="020B0609020204030204" pitchFamily="49" charset="0"/>
                 <a:cs typeface="Consolas" panose="020B0609020204030204" pitchFamily="49" charset="0"/>
               </a:rPr>
-              <a:t> = 0				</a:t>
-            </a:r>
-            <a:r>
-              <a:rPr lang="en-US" dirty="0">
-                <a:solidFill>
-                  <a:schemeClr val="tx2">
-                    <a:lumMod val="60000"/>
-                    <a:lumOff val="40000"/>
-                  </a:schemeClr>
-                </a:solidFill>
-                <a:latin typeface="Consolas" panose="020B0609020204030204" pitchFamily="49" charset="0"/>
-                <a:cs typeface="Consolas" panose="020B0609020204030204" pitchFamily="49" charset="0"/>
-              </a:rPr>
-              <a:t># initialization</a:t>
+              <a:t> = X(:,(i1,i2,i3))</a:t>
             </a:r>
           </a:p>
           <a:p>
@@ -17513,87 +17526,35 @@
                 <a:latin typeface="Consolas" panose="020B0609020204030204" pitchFamily="49" charset="0"/>
                 <a:cs typeface="Consolas" panose="020B0609020204030204" pitchFamily="49" charset="0"/>
               </a:rPr>
-              <a:t>for j = 1 to N        </a:t>
-            </a:r>
-            <a:r>
-              <a:rPr lang="en-US" dirty="0">
-                <a:solidFill>
-                  <a:schemeClr val="tx2">
-                    <a:lumMod val="60000"/>
-                    <a:lumOff val="40000"/>
-                  </a:schemeClr>
-                </a:solidFill>
+              <a:t>			score = </a:t>
+            </a:r>
+            <a:r>
+              <a:rPr lang="en-US" dirty="0" err="1">
                 <a:latin typeface="Consolas" panose="020B0609020204030204" pitchFamily="49" charset="0"/>
                 <a:cs typeface="Consolas" panose="020B0609020204030204" pitchFamily="49" charset="0"/>
               </a:rPr>
-              <a:t># evaluation of all combinations</a:t>
-            </a:r>
-          </a:p>
-          <a:p>
+              <a:t>fscore</a:t>
+            </a:r>
             <a:r>
               <a:rPr lang="en-US" dirty="0">
                 <a:latin typeface="Consolas" panose="020B0609020204030204" pitchFamily="49" charset="0"/>
                 <a:cs typeface="Consolas" panose="020B0609020204030204" pitchFamily="49" charset="0"/>
               </a:rPr>
-              <a:t>	</a:t>
+              <a:t>(</a:t>
             </a:r>
             <a:r>
               <a:rPr lang="en-US" dirty="0" err="1">
                 <a:latin typeface="Consolas" panose="020B0609020204030204" pitchFamily="49" charset="0"/>
                 <a:cs typeface="Consolas" panose="020B0609020204030204" pitchFamily="49" charset="0"/>
               </a:rPr>
-              <a:t>sj</a:t>
+              <a:t>Xsel</a:t>
             </a:r>
             <a:r>
               <a:rPr lang="en-US" dirty="0">
                 <a:latin typeface="Consolas" panose="020B0609020204030204" pitchFamily="49" charset="0"/>
                 <a:cs typeface="Consolas" panose="020B0609020204030204" pitchFamily="49" charset="0"/>
               </a:rPr>
-              <a:t> = S(j,</a:t>
-            </a:r>
-            <a:r>
-              <a:rPr lang="en-US" dirty="0">
-                <a:latin typeface="Consolas" panose="020B0609020204030204" pitchFamily="49" charset="0"/>
-                <a:cs typeface="Consolas" panose="020B0609020204030204" pitchFamily="49" charset="0"/>
-                <a:sym typeface="Wingdings" pitchFamily="2" charset="2"/>
-              </a:rPr>
-              <a:t>:) 		</a:t>
-            </a:r>
-            <a:r>
-              <a:rPr lang="en-US" dirty="0">
-                <a:solidFill>
-                  <a:schemeClr val="tx2">
-                    <a:lumMod val="60000"/>
-                    <a:lumOff val="40000"/>
-                  </a:schemeClr>
-                </a:solidFill>
-                <a:latin typeface="Consolas" panose="020B0609020204030204" pitchFamily="49" charset="0"/>
-                <a:cs typeface="Consolas" panose="020B0609020204030204" pitchFamily="49" charset="0"/>
-              </a:rPr>
-              <a:t># columns of X</a:t>
-            </a:r>
-          </a:p>
-          <a:p>
-            <a:r>
-              <a:rPr lang="en-US" dirty="0">
-                <a:latin typeface="Consolas" panose="020B0609020204030204" pitchFamily="49" charset="0"/>
-                <a:cs typeface="Consolas" panose="020B0609020204030204" pitchFamily="49" charset="0"/>
-              </a:rPr>
-              <a:t>	J = score(X(</a:t>
-            </a:r>
-            <a:r>
-              <a:rPr lang="en-US" dirty="0" err="1">
-                <a:latin typeface="Consolas" panose="020B0609020204030204" pitchFamily="49" charset="0"/>
-                <a:cs typeface="Consolas" panose="020B0609020204030204" pitchFamily="49" charset="0"/>
-              </a:rPr>
-              <a:t>st</a:t>
-            </a:r>
-            <a:r>
-              <a:rPr lang="en-US" dirty="0">
-                <a:latin typeface="Consolas" panose="020B0609020204030204" pitchFamily="49" charset="0"/>
-                <a:cs typeface="Consolas" panose="020B0609020204030204" pitchFamily="49" charset="0"/>
-              </a:rPr>
-              <a:t>))	</a:t>
+              <a:t>)  </a:t>
             </a:r>
             <a:r>
               <a:rPr lang="en-US" dirty="0">
@@ -17615,7 +17576,7 @@
                 <a:latin typeface="Consolas" panose="020B0609020204030204" pitchFamily="49" charset="0"/>
                 <a:cs typeface="Consolas" panose="020B0609020204030204" pitchFamily="49" charset="0"/>
               </a:rPr>
-              <a:t>	if J&gt;</a:t>
+              <a:t>			if J&gt;</a:t>
             </a:r>
             <a:r>
               <a:rPr lang="en-US" dirty="0" err="1">
@@ -17635,55 +17596,44 @@
                 <a:latin typeface="Consolas" panose="020B0609020204030204" pitchFamily="49" charset="0"/>
                 <a:cs typeface="Consolas" panose="020B0609020204030204" pitchFamily="49" charset="0"/>
               </a:rPr>
-              <a:t>		</a:t>
+              <a:t>				</a:t>
             </a:r>
             <a:r>
               <a:rPr lang="en-US" dirty="0" err="1">
                 <a:latin typeface="Consolas" panose="020B0609020204030204" pitchFamily="49" charset="0"/>
                 <a:cs typeface="Consolas" panose="020B0609020204030204" pitchFamily="49" charset="0"/>
               </a:rPr>
-              <a:t>smax</a:t>
+              <a:t>sel_indices</a:t>
             </a:r>
             <a:r>
               <a:rPr lang="en-US" dirty="0">
                 <a:latin typeface="Consolas" panose="020B0609020204030204" pitchFamily="49" charset="0"/>
                 <a:cs typeface="Consolas" panose="020B0609020204030204" pitchFamily="49" charset="0"/>
               </a:rPr>
-              <a:t> = </a:t>
+              <a:t> = (i1,i2,i3)</a:t>
+            </a:r>
+          </a:p>
+          <a:p>
+            <a:r>
+              <a:rPr lang="en-US" dirty="0">
+                <a:latin typeface="Consolas" panose="020B0609020204030204" pitchFamily="49" charset="0"/>
+                <a:cs typeface="Consolas" panose="020B0609020204030204" pitchFamily="49" charset="0"/>
+              </a:rPr>
+              <a:t>				</a:t>
             </a:r>
             <a:r>
               <a:rPr lang="en-US" dirty="0" err="1">
                 <a:latin typeface="Consolas" panose="020B0609020204030204" pitchFamily="49" charset="0"/>
                 <a:cs typeface="Consolas" panose="020B0609020204030204" pitchFamily="49" charset="0"/>
               </a:rPr>
-              <a:t>sj</a:t>
-            </a:r>
-            <a:endParaRPr lang="en-US" dirty="0">
-              <a:latin typeface="Consolas" panose="020B0609020204030204" pitchFamily="49" charset="0"/>
-              <a:cs typeface="Consolas" panose="020B0609020204030204" pitchFamily="49" charset="0"/>
-            </a:endParaRPr>
-          </a:p>
-          <a:p>
+              <a:t>score_max</a:t>
+            </a:r>
             <a:r>
               <a:rPr lang="en-US" dirty="0">
                 <a:latin typeface="Consolas" panose="020B0609020204030204" pitchFamily="49" charset="0"/>
                 <a:cs typeface="Consolas" panose="020B0609020204030204" pitchFamily="49" charset="0"/>
               </a:rPr>
-              <a:t>		</a:t>
-            </a:r>
-            <a:r>
-              <a:rPr lang="en-US" dirty="0" err="1">
-                <a:latin typeface="Consolas" panose="020B0609020204030204" pitchFamily="49" charset="0"/>
-                <a:cs typeface="Consolas" panose="020B0609020204030204" pitchFamily="49" charset="0"/>
-              </a:rPr>
-              <a:t>Jmax</a:t>
-            </a:r>
-            <a:r>
-              <a:rPr lang="en-US" dirty="0">
-                <a:latin typeface="Consolas" panose="020B0609020204030204" pitchFamily="49" charset="0"/>
-                <a:cs typeface="Consolas" panose="020B0609020204030204" pitchFamily="49" charset="0"/>
-              </a:rPr>
-              <a:t> = J		</a:t>
+              <a:t> = score		</a:t>
             </a:r>
             <a:r>
               <a:rPr lang="en-US" dirty="0">
@@ -17705,6 +17655,24 @@
                 <a:latin typeface="Consolas" panose="020B0609020204030204" pitchFamily="49" charset="0"/>
                 <a:cs typeface="Consolas" panose="020B0609020204030204" pitchFamily="49" charset="0"/>
               </a:rPr>
+              <a:t>			end</a:t>
+            </a:r>
+          </a:p>
+          <a:p>
+            <a:r>
+              <a:rPr lang="en-US" dirty="0">
+                <a:latin typeface="Consolas" panose="020B0609020204030204" pitchFamily="49" charset="0"/>
+                <a:cs typeface="Consolas" panose="020B0609020204030204" pitchFamily="49" charset="0"/>
+              </a:rPr>
+              <a:t>		end</a:t>
+            </a:r>
+          </a:p>
+          <a:p>
+            <a:r>
+              <a:rPr lang="en-US" dirty="0">
+                <a:latin typeface="Consolas" panose="020B0609020204030204" pitchFamily="49" charset="0"/>
+                <a:cs typeface="Consolas" panose="020B0609020204030204" pitchFamily="49" charset="0"/>
+              </a:rPr>
               <a:t>	end</a:t>
             </a:r>
           </a:p>
@@ -17724,53 +17692,19 @@
             </a:endParaRPr>
           </a:p>
           <a:p>
-            <a:endParaRPr lang="en-US" dirty="0">
-              <a:latin typeface="Consolas" panose="020B0609020204030204" pitchFamily="49" charset="0"/>
-              <a:cs typeface="Consolas" panose="020B0609020204030204" pitchFamily="49" charset="0"/>
-            </a:endParaRPr>
-          </a:p>
-          <a:p>
             <a:r>
               <a:rPr lang="en-US" dirty="0">
                 <a:latin typeface="Consolas" panose="020B0609020204030204" pitchFamily="49" charset="0"/>
                 <a:cs typeface="Consolas" panose="020B0609020204030204" pitchFamily="49" charset="0"/>
               </a:rPr>
-              <a:t>* In </a:t>
+              <a:t>OUTPUT: </a:t>
             </a:r>
             <a:r>
               <a:rPr lang="en-US" dirty="0" err="1">
                 <a:latin typeface="Consolas" panose="020B0609020204030204" pitchFamily="49" charset="0"/>
                 <a:cs typeface="Consolas" panose="020B0609020204030204" pitchFamily="49" charset="0"/>
               </a:rPr>
-              <a:t>Matlab</a:t>
-            </a:r>
-            <a:r>
-              <a:rPr lang="en-US" dirty="0">
-                <a:latin typeface="Consolas" panose="020B0609020204030204" pitchFamily="49" charset="0"/>
-                <a:cs typeface="Consolas" panose="020B0609020204030204" pitchFamily="49" charset="0"/>
-              </a:rPr>
-              <a:t>: </a:t>
-            </a:r>
-            <a:r>
-              <a:rPr lang="en-US" dirty="0" err="1">
-                <a:latin typeface="Consolas" panose="020B0609020204030204" pitchFamily="49" charset="0"/>
-                <a:cs typeface="Consolas" panose="020B0609020204030204" pitchFamily="49" charset="0"/>
-              </a:rPr>
-              <a:t>nchoosek</a:t>
-            </a:r>
-            <a:r>
-              <a:rPr lang="en-US" dirty="0">
-                <a:latin typeface="Consolas" panose="020B0609020204030204" pitchFamily="49" charset="0"/>
-                <a:cs typeface="Consolas" panose="020B0609020204030204" pitchFamily="49" charset="0"/>
-              </a:rPr>
-              <a:t>, in Python: </a:t>
-            </a:r>
-            <a:r>
-              <a:rPr lang="en-US" dirty="0" err="1">
-                <a:latin typeface="Consolas" panose="020B0609020204030204" pitchFamily="49" charset="0"/>
-                <a:cs typeface="Consolas" panose="020B0609020204030204" pitchFamily="49" charset="0"/>
-              </a:rPr>
-              <a:t>scipy.misc.comb</a:t>
+              <a:t>sel_indices</a:t>
             </a:r>
             <a:endParaRPr lang="en-US" dirty="0">
               <a:latin typeface="Consolas" panose="020B0609020204030204" pitchFamily="49" charset="0"/>
@@ -17800,7 +17734,7 @@
         <p:spPr>
           <a:xfrm>
             <a:off x="526916" y="510362"/>
-            <a:ext cx="5509522" cy="646331"/>
+            <a:ext cx="7444026" cy="646331"/>
           </a:xfrm>
           <a:prstGeom prst="rect">
             <a:avLst/>
@@ -17815,7 +17749,7 @@
           <a:p>
             <a:r>
               <a:rPr lang="en-US" sz="3600" dirty="0"/>
-              <a:t>Exhaustive Search Algorithm</a:t>
+              <a:t>Exhaustive Search Algorithm - Example</a:t>
             </a:r>
           </a:p>
         </p:txBody>
@@ -17824,6 +17758,506 @@
     <p:extLst>
       <p:ext uri="{BB962C8B-B14F-4D97-AF65-F5344CB8AC3E}">
         <p14:creationId xmlns:p14="http://schemas.microsoft.com/office/powerpoint/2010/main" val="599370647"/>
+      </p:ext>
+    </p:extLst>
+  </p:cSld>
+  <p:clrMapOvr>
+    <a:masterClrMapping/>
+  </p:clrMapOvr>
+</p:sld>
+</file>
+
+<file path=ppt/slides/slide21.xml><?xml version="1.0" encoding="utf-8"?>
+<p:sld xmlns:a="http://schemas.openxmlformats.org/drawingml/2006/main" xmlns:r="http://schemas.openxmlformats.org/officeDocument/2006/relationships" xmlns:p="http://schemas.openxmlformats.org/presentationml/2006/main">
+  <p:cSld>
+    <p:spTree>
+      <p:nvGrpSpPr>
+        <p:cNvPr id="1" name=""/>
+        <p:cNvGrpSpPr/>
+        <p:nvPr/>
+      </p:nvGrpSpPr>
+      <p:grpSpPr>
+        <a:xfrm>
+          <a:off x="0" y="0"/>
+          <a:ext cx="0" cy="0"/>
+          <a:chOff x="0" y="0"/>
+          <a:chExt cx="0" cy="0"/>
+        </a:xfrm>
+      </p:grpSpPr>
+      <p:sp>
+        <p:nvSpPr>
+          <p:cNvPr id="4" name="TextBox 3">
+            <a:extLst>
+              <a:ext uri="{FF2B5EF4-FFF2-40B4-BE49-F238E27FC236}">
+                <a16:creationId xmlns:a16="http://schemas.microsoft.com/office/drawing/2014/main" id="{A90EF4CB-20AC-5C4E-B63E-2326C11DDE29}"/>
+              </a:ext>
+            </a:extLst>
+          </p:cNvPr>
+          <p:cNvSpPr txBox="1"/>
+          <p:nvPr/>
+        </p:nvSpPr>
+        <p:spPr>
+          <a:xfrm>
+            <a:off x="526916" y="1432380"/>
+            <a:ext cx="7402989" cy="5355312"/>
+          </a:xfrm>
+          <a:prstGeom prst="rect">
+            <a:avLst/>
+          </a:prstGeom>
+          <a:noFill/>
+        </p:spPr>
+        <p:txBody>
+          <a:bodyPr wrap="none" rtlCol="0">
+            <a:spAutoFit/>
+          </a:bodyPr>
+          <a:lstStyle/>
+          <a:p>
+            <a:r>
+              <a:rPr lang="en-US" dirty="0">
+                <a:latin typeface="Consolas" panose="020B0609020204030204" pitchFamily="49" charset="0"/>
+                <a:cs typeface="Consolas" panose="020B0609020204030204" pitchFamily="49" charset="0"/>
+              </a:rPr>
+              <a:t>Selection of p features from m</a:t>
+            </a:r>
+          </a:p>
+          <a:p>
+            <a:endParaRPr lang="en-US" dirty="0">
+              <a:latin typeface="Consolas" panose="020B0609020204030204" pitchFamily="49" charset="0"/>
+              <a:cs typeface="Consolas" panose="020B0609020204030204" pitchFamily="49" charset="0"/>
+            </a:endParaRPr>
+          </a:p>
+          <a:p>
+            <a:r>
+              <a:rPr lang="en-US" dirty="0">
+                <a:latin typeface="Consolas" panose="020B0609020204030204" pitchFamily="49" charset="0"/>
+                <a:cs typeface="Consolas" panose="020B0609020204030204" pitchFamily="49" charset="0"/>
+              </a:rPr>
+              <a:t>S   = </a:t>
+            </a:r>
+            <a:r>
+              <a:rPr lang="en-US" i="1" dirty="0">
+                <a:latin typeface="Consolas" panose="020B0609020204030204" pitchFamily="49" charset="0"/>
+                <a:cs typeface="Consolas" panose="020B0609020204030204" pitchFamily="49" charset="0"/>
+              </a:rPr>
+              <a:t>all combinations of p numbers taken from m numbers*</a:t>
+            </a:r>
+          </a:p>
+          <a:p>
+            <a:r>
+              <a:rPr lang="en-US" dirty="0">
+                <a:latin typeface="Consolas" panose="020B0609020204030204" pitchFamily="49" charset="0"/>
+                <a:cs typeface="Consolas" panose="020B0609020204030204" pitchFamily="49" charset="0"/>
+              </a:rPr>
+              <a:t>N</a:t>
+            </a:r>
+            <a:r>
+              <a:rPr lang="en-US" i="1" dirty="0">
+                <a:latin typeface="Consolas" panose="020B0609020204030204" pitchFamily="49" charset="0"/>
+                <a:cs typeface="Consolas" panose="020B0609020204030204" pitchFamily="49" charset="0"/>
+              </a:rPr>
+              <a:t>   </a:t>
+            </a:r>
+            <a:r>
+              <a:rPr lang="en-US" dirty="0">
+                <a:latin typeface="Consolas" panose="020B0609020204030204" pitchFamily="49" charset="0"/>
+                <a:cs typeface="Consolas" panose="020B0609020204030204" pitchFamily="49" charset="0"/>
+              </a:rPr>
+              <a:t>= </a:t>
+            </a:r>
+            <a:r>
+              <a:rPr lang="en-US" i="1" dirty="0">
+                <a:latin typeface="Consolas" panose="020B0609020204030204" pitchFamily="49" charset="0"/>
+                <a:cs typeface="Consolas" panose="020B0609020204030204" pitchFamily="49" charset="0"/>
+              </a:rPr>
+              <a:t>number of combinations</a:t>
+            </a:r>
+          </a:p>
+          <a:p>
+            <a:r>
+              <a:rPr lang="en-US" dirty="0" err="1">
+                <a:latin typeface="Consolas" panose="020B0609020204030204" pitchFamily="49" charset="0"/>
+                <a:cs typeface="Consolas" panose="020B0609020204030204" pitchFamily="49" charset="0"/>
+              </a:rPr>
+              <a:t>score_max</a:t>
+            </a:r>
+            <a:r>
+              <a:rPr lang="en-US" dirty="0">
+                <a:latin typeface="Consolas" panose="020B0609020204030204" pitchFamily="49" charset="0"/>
+                <a:cs typeface="Consolas" panose="020B0609020204030204" pitchFamily="49" charset="0"/>
+              </a:rPr>
+              <a:t> = 0				</a:t>
+            </a:r>
+            <a:r>
+              <a:rPr lang="en-US" dirty="0">
+                <a:solidFill>
+                  <a:schemeClr val="tx2">
+                    <a:lumMod val="60000"/>
+                    <a:lumOff val="40000"/>
+                  </a:schemeClr>
+                </a:solidFill>
+                <a:latin typeface="Consolas" panose="020B0609020204030204" pitchFamily="49" charset="0"/>
+                <a:cs typeface="Consolas" panose="020B0609020204030204" pitchFamily="49" charset="0"/>
+              </a:rPr>
+              <a:t># initialization</a:t>
+            </a:r>
+          </a:p>
+          <a:p>
+            <a:r>
+              <a:rPr lang="en-US" dirty="0">
+                <a:latin typeface="Consolas" panose="020B0609020204030204" pitchFamily="49" charset="0"/>
+                <a:cs typeface="Consolas" panose="020B0609020204030204" pitchFamily="49" charset="0"/>
+              </a:rPr>
+              <a:t>for j = 1 to N        </a:t>
+            </a:r>
+            <a:r>
+              <a:rPr lang="en-US" dirty="0">
+                <a:solidFill>
+                  <a:schemeClr val="tx2">
+                    <a:lumMod val="60000"/>
+                    <a:lumOff val="40000"/>
+                  </a:schemeClr>
+                </a:solidFill>
+                <a:latin typeface="Consolas" panose="020B0609020204030204" pitchFamily="49" charset="0"/>
+                <a:cs typeface="Consolas" panose="020B0609020204030204" pitchFamily="49" charset="0"/>
+              </a:rPr>
+              <a:t># evaluation of all combinations</a:t>
+            </a:r>
+          </a:p>
+          <a:p>
+            <a:r>
+              <a:rPr lang="en-US" dirty="0">
+                <a:latin typeface="Consolas" panose="020B0609020204030204" pitchFamily="49" charset="0"/>
+                <a:cs typeface="Consolas" panose="020B0609020204030204" pitchFamily="49" charset="0"/>
+              </a:rPr>
+              <a:t>	</a:t>
+            </a:r>
+            <a:r>
+              <a:rPr lang="en-US" dirty="0" err="1">
+                <a:latin typeface="Consolas" panose="020B0609020204030204" pitchFamily="49" charset="0"/>
+                <a:cs typeface="Consolas" panose="020B0609020204030204" pitchFamily="49" charset="0"/>
+              </a:rPr>
+              <a:t>sj</a:t>
+            </a:r>
+            <a:r>
+              <a:rPr lang="en-US" dirty="0">
+                <a:latin typeface="Consolas" panose="020B0609020204030204" pitchFamily="49" charset="0"/>
+                <a:cs typeface="Consolas" panose="020B0609020204030204" pitchFamily="49" charset="0"/>
+              </a:rPr>
+              <a:t> = S(j,</a:t>
+            </a:r>
+            <a:r>
+              <a:rPr lang="en-US" dirty="0">
+                <a:latin typeface="Consolas" panose="020B0609020204030204" pitchFamily="49" charset="0"/>
+                <a:cs typeface="Consolas" panose="020B0609020204030204" pitchFamily="49" charset="0"/>
+                <a:sym typeface="Wingdings" pitchFamily="2" charset="2"/>
+              </a:rPr>
+              <a:t>:) 		</a:t>
+            </a:r>
+            <a:r>
+              <a:rPr lang="en-US" dirty="0">
+                <a:solidFill>
+                  <a:schemeClr val="tx2">
+                    <a:lumMod val="60000"/>
+                    <a:lumOff val="40000"/>
+                  </a:schemeClr>
+                </a:solidFill>
+                <a:latin typeface="Consolas" panose="020B0609020204030204" pitchFamily="49" charset="0"/>
+                <a:cs typeface="Consolas" panose="020B0609020204030204" pitchFamily="49" charset="0"/>
+              </a:rPr>
+              <a:t># columns of X</a:t>
+            </a:r>
+          </a:p>
+          <a:p>
+            <a:r>
+              <a:rPr lang="en-US" dirty="0">
+                <a:latin typeface="Consolas" panose="020B0609020204030204" pitchFamily="49" charset="0"/>
+                <a:cs typeface="Consolas" panose="020B0609020204030204" pitchFamily="49" charset="0"/>
+              </a:rPr>
+              <a:t>	score = </a:t>
+            </a:r>
+            <a:r>
+              <a:rPr lang="en-US" dirty="0" err="1">
+                <a:latin typeface="Consolas" panose="020B0609020204030204" pitchFamily="49" charset="0"/>
+                <a:cs typeface="Consolas" panose="020B0609020204030204" pitchFamily="49" charset="0"/>
+              </a:rPr>
+              <a:t>fscore</a:t>
+            </a:r>
+            <a:r>
+              <a:rPr lang="en-US" dirty="0">
+                <a:latin typeface="Consolas" panose="020B0609020204030204" pitchFamily="49" charset="0"/>
+                <a:cs typeface="Consolas" panose="020B0609020204030204" pitchFamily="49" charset="0"/>
+              </a:rPr>
+              <a:t>(X(:,</a:t>
+            </a:r>
+            <a:r>
+              <a:rPr lang="en-US" dirty="0" err="1">
+                <a:latin typeface="Consolas" panose="020B0609020204030204" pitchFamily="49" charset="0"/>
+                <a:cs typeface="Consolas" panose="020B0609020204030204" pitchFamily="49" charset="0"/>
+              </a:rPr>
+              <a:t>st</a:t>
+            </a:r>
+            <a:r>
+              <a:rPr lang="en-US" dirty="0">
+                <a:latin typeface="Consolas" panose="020B0609020204030204" pitchFamily="49" charset="0"/>
+                <a:cs typeface="Consolas" panose="020B0609020204030204" pitchFamily="49" charset="0"/>
+              </a:rPr>
+              <a:t>))	</a:t>
+            </a:r>
+            <a:r>
+              <a:rPr lang="en-US" dirty="0">
+                <a:solidFill>
+                  <a:schemeClr val="tx2">
+                    <a:lumMod val="60000"/>
+                    <a:lumOff val="40000"/>
+                  </a:schemeClr>
+                </a:solidFill>
+                <a:latin typeface="Consolas" panose="020B0609020204030204" pitchFamily="49" charset="0"/>
+                <a:cs typeface="Consolas" panose="020B0609020204030204" pitchFamily="49" charset="0"/>
+              </a:rPr>
+              <a:t># evaluation of the score</a:t>
+            </a:r>
+          </a:p>
+          <a:p>
+            <a:r>
+              <a:rPr lang="en-US" dirty="0">
+                <a:latin typeface="Consolas" panose="020B0609020204030204" pitchFamily="49" charset="0"/>
+                <a:cs typeface="Consolas" panose="020B0609020204030204" pitchFamily="49" charset="0"/>
+              </a:rPr>
+              <a:t>	if score&gt;</a:t>
+            </a:r>
+            <a:r>
+              <a:rPr lang="en-US" dirty="0" err="1">
+                <a:latin typeface="Consolas" panose="020B0609020204030204" pitchFamily="49" charset="0"/>
+                <a:cs typeface="Consolas" panose="020B0609020204030204" pitchFamily="49" charset="0"/>
+              </a:rPr>
+              <a:t>score_max</a:t>
+            </a:r>
+            <a:endParaRPr lang="en-US" dirty="0">
+              <a:latin typeface="Consolas" panose="020B0609020204030204" pitchFamily="49" charset="0"/>
+              <a:cs typeface="Consolas" panose="020B0609020204030204" pitchFamily="49" charset="0"/>
+            </a:endParaRPr>
+          </a:p>
+          <a:p>
+            <a:r>
+              <a:rPr lang="en-US" dirty="0">
+                <a:latin typeface="Consolas" panose="020B0609020204030204" pitchFamily="49" charset="0"/>
+                <a:cs typeface="Consolas" panose="020B0609020204030204" pitchFamily="49" charset="0"/>
+              </a:rPr>
+              <a:t>		</a:t>
+            </a:r>
+            <a:r>
+              <a:rPr lang="en-US" dirty="0" err="1">
+                <a:latin typeface="Consolas" panose="020B0609020204030204" pitchFamily="49" charset="0"/>
+                <a:cs typeface="Consolas" panose="020B0609020204030204" pitchFamily="49" charset="0"/>
+              </a:rPr>
+              <a:t>sel_indices</a:t>
+            </a:r>
+            <a:r>
+              <a:rPr lang="en-US" dirty="0">
+                <a:latin typeface="Consolas" panose="020B0609020204030204" pitchFamily="49" charset="0"/>
+                <a:cs typeface="Consolas" panose="020B0609020204030204" pitchFamily="49" charset="0"/>
+              </a:rPr>
+              <a:t> = </a:t>
+            </a:r>
+            <a:r>
+              <a:rPr lang="en-US" dirty="0" err="1">
+                <a:latin typeface="Consolas" panose="020B0609020204030204" pitchFamily="49" charset="0"/>
+                <a:cs typeface="Consolas" panose="020B0609020204030204" pitchFamily="49" charset="0"/>
+              </a:rPr>
+              <a:t>sj</a:t>
+            </a:r>
+            <a:endParaRPr lang="en-US" dirty="0">
+              <a:latin typeface="Consolas" panose="020B0609020204030204" pitchFamily="49" charset="0"/>
+              <a:cs typeface="Consolas" panose="020B0609020204030204" pitchFamily="49" charset="0"/>
+            </a:endParaRPr>
+          </a:p>
+          <a:p>
+            <a:r>
+              <a:rPr lang="en-US" dirty="0">
+                <a:latin typeface="Consolas" panose="020B0609020204030204" pitchFamily="49" charset="0"/>
+                <a:cs typeface="Consolas" panose="020B0609020204030204" pitchFamily="49" charset="0"/>
+              </a:rPr>
+              <a:t>		</a:t>
+            </a:r>
+            <a:r>
+              <a:rPr lang="en-US" dirty="0" err="1">
+                <a:latin typeface="Consolas" panose="020B0609020204030204" pitchFamily="49" charset="0"/>
+                <a:cs typeface="Consolas" panose="020B0609020204030204" pitchFamily="49" charset="0"/>
+              </a:rPr>
+              <a:t>score_max</a:t>
+            </a:r>
+            <a:r>
+              <a:rPr lang="en-US" dirty="0">
+                <a:latin typeface="Consolas" panose="020B0609020204030204" pitchFamily="49" charset="0"/>
+                <a:cs typeface="Consolas" panose="020B0609020204030204" pitchFamily="49" charset="0"/>
+              </a:rPr>
+              <a:t> = score		</a:t>
+            </a:r>
+            <a:r>
+              <a:rPr lang="en-US" dirty="0">
+                <a:solidFill>
+                  <a:schemeClr val="tx2">
+                    <a:lumMod val="60000"/>
+                    <a:lumOff val="40000"/>
+                  </a:schemeClr>
+                </a:solidFill>
+                <a:latin typeface="Consolas" panose="020B0609020204030204" pitchFamily="49" charset="0"/>
+                <a:cs typeface="Consolas" panose="020B0609020204030204" pitchFamily="49" charset="0"/>
+              </a:rPr>
+              <a:t># update maximum</a:t>
+            </a:r>
+          </a:p>
+          <a:p>
+            <a:r>
+              <a:rPr lang="en-US" dirty="0">
+                <a:latin typeface="Consolas" panose="020B0609020204030204" pitchFamily="49" charset="0"/>
+                <a:cs typeface="Consolas" panose="020B0609020204030204" pitchFamily="49" charset="0"/>
+              </a:rPr>
+              <a:t>	end</a:t>
+            </a:r>
+          </a:p>
+          <a:p>
+            <a:r>
+              <a:rPr lang="en-US" dirty="0">
+                <a:latin typeface="Consolas" panose="020B0609020204030204" pitchFamily="49" charset="0"/>
+                <a:cs typeface="Consolas" panose="020B0609020204030204" pitchFamily="49" charset="0"/>
+              </a:rPr>
+              <a:t>end</a:t>
+            </a:r>
+          </a:p>
+          <a:p>
+            <a:endParaRPr lang="en-US" dirty="0">
+              <a:latin typeface="Consolas" panose="020B0609020204030204" pitchFamily="49" charset="0"/>
+              <a:cs typeface="Consolas" panose="020B0609020204030204" pitchFamily="49" charset="0"/>
+            </a:endParaRPr>
+          </a:p>
+          <a:p>
+            <a:r>
+              <a:rPr lang="en-US" dirty="0">
+                <a:latin typeface="Consolas" panose="020B0609020204030204" pitchFamily="49" charset="0"/>
+                <a:cs typeface="Consolas" panose="020B0609020204030204" pitchFamily="49" charset="0"/>
+              </a:rPr>
+              <a:t>OUTPUT: </a:t>
+            </a:r>
+            <a:r>
+              <a:rPr lang="en-US" dirty="0" err="1">
+                <a:latin typeface="Consolas" panose="020B0609020204030204" pitchFamily="49" charset="0"/>
+                <a:cs typeface="Consolas" panose="020B0609020204030204" pitchFamily="49" charset="0"/>
+              </a:rPr>
+              <a:t>sel_indices</a:t>
+            </a:r>
+            <a:endParaRPr lang="en-US">
+              <a:latin typeface="Consolas" panose="020B0609020204030204" pitchFamily="49" charset="0"/>
+              <a:cs typeface="Consolas" panose="020B0609020204030204" pitchFamily="49" charset="0"/>
+            </a:endParaRPr>
+          </a:p>
+          <a:p>
+            <a:endParaRPr lang="en-US" dirty="0">
+              <a:latin typeface="Consolas" panose="020B0609020204030204" pitchFamily="49" charset="0"/>
+              <a:cs typeface="Consolas" panose="020B0609020204030204" pitchFamily="49" charset="0"/>
+            </a:endParaRPr>
+          </a:p>
+          <a:p>
+            <a:endParaRPr lang="en-US" dirty="0">
+              <a:latin typeface="Consolas" panose="020B0609020204030204" pitchFamily="49" charset="0"/>
+              <a:cs typeface="Consolas" panose="020B0609020204030204" pitchFamily="49" charset="0"/>
+            </a:endParaRPr>
+          </a:p>
+          <a:p>
+            <a:r>
+              <a:rPr lang="en-US" dirty="0">
+                <a:latin typeface="Consolas" panose="020B0609020204030204" pitchFamily="49" charset="0"/>
+                <a:cs typeface="Consolas" panose="020B0609020204030204" pitchFamily="49" charset="0"/>
+              </a:rPr>
+              <a:t>* In </a:t>
+            </a:r>
+            <a:r>
+              <a:rPr lang="en-US" dirty="0" err="1">
+                <a:latin typeface="Consolas" panose="020B0609020204030204" pitchFamily="49" charset="0"/>
+                <a:cs typeface="Consolas" panose="020B0609020204030204" pitchFamily="49" charset="0"/>
+              </a:rPr>
+              <a:t>Matlab</a:t>
+            </a:r>
+            <a:r>
+              <a:rPr lang="en-US" dirty="0">
+                <a:latin typeface="Consolas" panose="020B0609020204030204" pitchFamily="49" charset="0"/>
+                <a:cs typeface="Consolas" panose="020B0609020204030204" pitchFamily="49" charset="0"/>
+              </a:rPr>
+              <a:t>: </a:t>
+            </a:r>
+            <a:r>
+              <a:rPr lang="en-US" dirty="0" err="1">
+                <a:latin typeface="Consolas" panose="020B0609020204030204" pitchFamily="49" charset="0"/>
+                <a:cs typeface="Consolas" panose="020B0609020204030204" pitchFamily="49" charset="0"/>
+              </a:rPr>
+              <a:t>nchoosek</a:t>
+            </a:r>
+            <a:r>
+              <a:rPr lang="en-US" dirty="0">
+                <a:latin typeface="Consolas" panose="020B0609020204030204" pitchFamily="49" charset="0"/>
+                <a:cs typeface="Consolas" panose="020B0609020204030204" pitchFamily="49" charset="0"/>
+              </a:rPr>
+              <a:t>, in Python: </a:t>
+            </a:r>
+            <a:r>
+              <a:rPr lang="en-US" dirty="0" err="1">
+                <a:latin typeface="Consolas" panose="020B0609020204030204" pitchFamily="49" charset="0"/>
+                <a:cs typeface="Consolas" panose="020B0609020204030204" pitchFamily="49" charset="0"/>
+              </a:rPr>
+              <a:t>scipy.misc.comb</a:t>
+            </a:r>
+            <a:endParaRPr lang="en-US" dirty="0">
+              <a:latin typeface="Consolas" panose="020B0609020204030204" pitchFamily="49" charset="0"/>
+              <a:cs typeface="Consolas" panose="020B0609020204030204" pitchFamily="49" charset="0"/>
+            </a:endParaRPr>
+          </a:p>
+          <a:p>
+            <a:endParaRPr lang="en-US" dirty="0">
+              <a:latin typeface="Consolas" panose="020B0609020204030204" pitchFamily="49" charset="0"/>
+              <a:cs typeface="Consolas" panose="020B0609020204030204" pitchFamily="49" charset="0"/>
+            </a:endParaRPr>
+          </a:p>
+        </p:txBody>
+      </p:sp>
+      <p:sp>
+        <p:nvSpPr>
+          <p:cNvPr id="5" name="TextBox 4">
+            <a:extLst>
+              <a:ext uri="{FF2B5EF4-FFF2-40B4-BE49-F238E27FC236}">
+                <a16:creationId xmlns:a16="http://schemas.microsoft.com/office/drawing/2014/main" id="{7221AE79-787E-E745-875F-E701FB8B5165}"/>
+              </a:ext>
+            </a:extLst>
+          </p:cNvPr>
+          <p:cNvSpPr txBox="1"/>
+          <p:nvPr/>
+        </p:nvSpPr>
+        <p:spPr>
+          <a:xfrm>
+            <a:off x="526916" y="510362"/>
+            <a:ext cx="7329058" cy="646331"/>
+          </a:xfrm>
+          <a:prstGeom prst="rect">
+            <a:avLst/>
+          </a:prstGeom>
+          <a:noFill/>
+        </p:spPr>
+        <p:txBody>
+          <a:bodyPr wrap="none" rtlCol="0">
+            <a:spAutoFit/>
+          </a:bodyPr>
+          <a:lstStyle/>
+          <a:p>
+            <a:r>
+              <a:rPr lang="en-US" sz="3600" dirty="0"/>
+              <a:t>Exhaustive Search Algorithm - General</a:t>
+            </a:r>
+          </a:p>
+        </p:txBody>
+      </p:sp>
+    </p:spTree>
+    <p:extLst>
+      <p:ext uri="{BB962C8B-B14F-4D97-AF65-F5344CB8AC3E}">
+        <p14:creationId xmlns:p14="http://schemas.microsoft.com/office/powerpoint/2010/main" val="3599299721"/>
       </p:ext>
     </p:extLst>
   </p:cSld>

--- a/clases/Cap03_Seleccion_de_Caracteristicas/presentations/PAT03_ExSearch.pptx
+++ b/clases/Cap03_Seleccion_de_Caracteristicas/presentations/PAT03_ExSearch.pptx
@@ -17494,7 +17494,7 @@
                 <a:latin typeface="Consolas" panose="020B0609020204030204" pitchFamily="49" charset="0"/>
                 <a:cs typeface="Consolas" panose="020B0609020204030204" pitchFamily="49" charset="0"/>
               </a:rPr>
-              <a:t>		for i3 = i+2,… 9</a:t>
+              <a:t>		for i3 = i2+1,… 9</a:t>
             </a:r>
           </a:p>
           <a:p>
@@ -17576,14 +17576,14 @@
                 <a:latin typeface="Consolas" panose="020B0609020204030204" pitchFamily="49" charset="0"/>
                 <a:cs typeface="Consolas" panose="020B0609020204030204" pitchFamily="49" charset="0"/>
               </a:rPr>
-              <a:t>			if J&gt;</a:t>
+              <a:t>			if score&gt;</a:t>
             </a:r>
             <a:r>
               <a:rPr lang="en-US" dirty="0" err="1">
                 <a:latin typeface="Consolas" panose="020B0609020204030204" pitchFamily="49" charset="0"/>
                 <a:cs typeface="Consolas" panose="020B0609020204030204" pitchFamily="49" charset="0"/>
               </a:rPr>
-              <a:t>Jmax</a:t>
+              <a:t>score_max</a:t>
             </a:r>
             <a:endParaRPr lang="en-US" dirty="0">
               <a:latin typeface="Consolas" panose="020B0609020204030204" pitchFamily="49" charset="0"/>
@@ -18146,7 +18146,7 @@
               </a:rPr>
               <a:t>sel_indices</a:t>
             </a:r>
-            <a:endParaRPr lang="en-US">
+            <a:endParaRPr lang="en-US" dirty="0">
               <a:latin typeface="Consolas" panose="020B0609020204030204" pitchFamily="49" charset="0"/>
               <a:cs typeface="Consolas" panose="020B0609020204030204" pitchFamily="49" charset="0"/>
             </a:endParaRPr>

--- a/clases/Cap03_Seleccion_de_Caracteristicas/presentations/PAT03_ExSearch.pptx
+++ b/clases/Cap03_Seleccion_de_Caracteristicas/presentations/PAT03_ExSearch.pptx
@@ -228,7 +228,7 @@
           <a:p>
             <a:fld id="{A31E74E5-43EB-8941-84E7-E76CE2DEF1CC}" type="datetimeFigureOut">
               <a:rPr lang="en-US" smtClean="0"/>
-              <a:t>4/22/21</a:t>
+              <a:t>4/19/22</a:t>
             </a:fld>
             <a:endParaRPr lang="en-US"/>
           </a:p>
@@ -762,7 +762,7 @@
           <a:p>
             <a:fld id="{8BD5799D-8AC1-7647-9F4D-35F314575207}" type="datetimeFigureOut">
               <a:rPr lang="en-US" smtClean="0"/>
-              <a:t>4/22/21</a:t>
+              <a:t>4/19/22</a:t>
             </a:fld>
             <a:endParaRPr lang="en-US"/>
           </a:p>
@@ -930,7 +930,7 @@
           <a:p>
             <a:fld id="{8BD5799D-8AC1-7647-9F4D-35F314575207}" type="datetimeFigureOut">
               <a:rPr lang="en-US" smtClean="0"/>
-              <a:t>4/22/21</a:t>
+              <a:t>4/19/22</a:t>
             </a:fld>
             <a:endParaRPr lang="en-US"/>
           </a:p>
@@ -1108,7 +1108,7 @@
           <a:p>
             <a:fld id="{8BD5799D-8AC1-7647-9F4D-35F314575207}" type="datetimeFigureOut">
               <a:rPr lang="en-US" smtClean="0"/>
-              <a:t>4/22/21</a:t>
+              <a:t>4/19/22</a:t>
             </a:fld>
             <a:endParaRPr lang="en-US"/>
           </a:p>
@@ -1276,7 +1276,7 @@
           <a:p>
             <a:fld id="{8BD5799D-8AC1-7647-9F4D-35F314575207}" type="datetimeFigureOut">
               <a:rPr lang="en-US" smtClean="0"/>
-              <a:t>4/22/21</a:t>
+              <a:t>4/19/22</a:t>
             </a:fld>
             <a:endParaRPr lang="en-US"/>
           </a:p>
@@ -1521,7 +1521,7 @@
           <a:p>
             <a:fld id="{8BD5799D-8AC1-7647-9F4D-35F314575207}" type="datetimeFigureOut">
               <a:rPr lang="en-US" smtClean="0"/>
-              <a:t>4/22/21</a:t>
+              <a:t>4/19/22</a:t>
             </a:fld>
             <a:endParaRPr lang="en-US"/>
           </a:p>
@@ -1806,7 +1806,7 @@
           <a:p>
             <a:fld id="{8BD5799D-8AC1-7647-9F4D-35F314575207}" type="datetimeFigureOut">
               <a:rPr lang="en-US" smtClean="0"/>
-              <a:t>4/22/21</a:t>
+              <a:t>4/19/22</a:t>
             </a:fld>
             <a:endParaRPr lang="en-US"/>
           </a:p>
@@ -2225,7 +2225,7 @@
           <a:p>
             <a:fld id="{8BD5799D-8AC1-7647-9F4D-35F314575207}" type="datetimeFigureOut">
               <a:rPr lang="en-US" smtClean="0"/>
-              <a:t>4/22/21</a:t>
+              <a:t>4/19/22</a:t>
             </a:fld>
             <a:endParaRPr lang="en-US"/>
           </a:p>
@@ -2342,7 +2342,7 @@
           <a:p>
             <a:fld id="{8BD5799D-8AC1-7647-9F4D-35F314575207}" type="datetimeFigureOut">
               <a:rPr lang="en-US" smtClean="0"/>
-              <a:t>4/22/21</a:t>
+              <a:t>4/19/22</a:t>
             </a:fld>
             <a:endParaRPr lang="en-US"/>
           </a:p>
@@ -2437,7 +2437,7 @@
           <a:p>
             <a:fld id="{8BD5799D-8AC1-7647-9F4D-35F314575207}" type="datetimeFigureOut">
               <a:rPr lang="en-US" smtClean="0"/>
-              <a:t>4/22/21</a:t>
+              <a:t>4/19/22</a:t>
             </a:fld>
             <a:endParaRPr lang="en-US"/>
           </a:p>
@@ -2712,7 +2712,7 @@
           <a:p>
             <a:fld id="{8BD5799D-8AC1-7647-9F4D-35F314575207}" type="datetimeFigureOut">
               <a:rPr lang="en-US" smtClean="0"/>
-              <a:t>4/22/21</a:t>
+              <a:t>4/19/22</a:t>
             </a:fld>
             <a:endParaRPr lang="en-US"/>
           </a:p>
@@ -2964,7 +2964,7 @@
           <a:p>
             <a:fld id="{8BD5799D-8AC1-7647-9F4D-35F314575207}" type="datetimeFigureOut">
               <a:rPr lang="en-US" smtClean="0"/>
-              <a:t>4/22/21</a:t>
+              <a:t>4/19/22</a:t>
             </a:fld>
             <a:endParaRPr lang="en-US"/>
           </a:p>
@@ -3175,7 +3175,7 @@
           <a:p>
             <a:fld id="{8BD5799D-8AC1-7647-9F4D-35F314575207}" type="datetimeFigureOut">
               <a:rPr lang="en-US" smtClean="0"/>
-              <a:t>4/22/21</a:t>
+              <a:t>4/19/22</a:t>
             </a:fld>
             <a:endParaRPr lang="en-US"/>
           </a:p>
@@ -3917,7 +3917,7 @@
                 </a:solidFill>
                 <a:latin typeface="Trebuchet MS" pitchFamily="34" charset="0"/>
               </a:rPr>
-              <a:t>Departmento de Ciencia de la Computación</a:t>
+              <a:t>Departamento de Ciencia de la Computación</a:t>
             </a:r>
           </a:p>
           <a:p>
@@ -17799,7 +17799,7 @@
         <p:spPr>
           <a:xfrm>
             <a:off x="526916" y="1432380"/>
-            <a:ext cx="7402989" cy="5355312"/>
+            <a:ext cx="7930376" cy="5355312"/>
           </a:xfrm>
           <a:prstGeom prst="rect">
             <a:avLst/>
@@ -17885,7 +17885,7 @@
                 <a:latin typeface="Consolas" panose="020B0609020204030204" pitchFamily="49" charset="0"/>
                 <a:cs typeface="Consolas" panose="020B0609020204030204" pitchFamily="49" charset="0"/>
               </a:rPr>
-              <a:t> = 0				</a:t>
+              <a:t> = 0					</a:t>
             </a:r>
             <a:r>
               <a:rPr lang="en-US" dirty="0">
@@ -17907,7 +17907,7 @@
                 <a:latin typeface="Consolas" panose="020B0609020204030204" pitchFamily="49" charset="0"/>
                 <a:cs typeface="Consolas" panose="020B0609020204030204" pitchFamily="49" charset="0"/>
               </a:rPr>
-              <a:t>for j = 1 to N        </a:t>
+              <a:t>for j = 1 to N    				</a:t>
             </a:r>
             <a:r>
               <a:rPr lang="en-US" dirty="0">
@@ -17951,7 +17951,7 @@
                 <a:cs typeface="Consolas" panose="020B0609020204030204" pitchFamily="49" charset="0"/>
                 <a:sym typeface="Wingdings" pitchFamily="2" charset="2"/>
               </a:rPr>
-              <a:t>:) 		</a:t>
+              <a:t>:) 				</a:t>
             </a:r>
             <a:r>
               <a:rPr lang="en-US" dirty="0">
@@ -17997,11 +17997,18 @@
               <a:t>st</a:t>
             </a:r>
             <a:r>
+              <a:rPr lang="en-US">
+                <a:latin typeface="Consolas" panose="020B0609020204030204" pitchFamily="49" charset="0"/>
+                <a:cs typeface="Consolas" panose="020B0609020204030204" pitchFamily="49" charset="0"/>
+              </a:rPr>
+              <a:t>),d)</a:t>
+            </a:r>
+            <a:r>
               <a:rPr lang="en-US" dirty="0">
                 <a:latin typeface="Consolas" panose="020B0609020204030204" pitchFamily="49" charset="0"/>
                 <a:cs typeface="Consolas" panose="020B0609020204030204" pitchFamily="49" charset="0"/>
               </a:rPr>
-              <a:t>))	</a:t>
+              <a:t>	</a:t>
             </a:r>
             <a:r>
               <a:rPr lang="en-US" dirty="0">
